--- a/presentation/finalThesisPresentation.pptx
+++ b/presentation/finalThesisPresentation.pptx
@@ -298,7 +298,7 @@
           <a:p>
             <a:fld id="{8B2B1BF5-A9C0-4B9A-BF59-9DB84BDE63C4}" type="datetimeFigureOut">
               <a:rPr lang="hr-HR" smtClean="0"/>
-              <a:t>8.9.2019.</a:t>
+              <a:t>18.9.2019.</a:t>
             </a:fld>
             <a:endParaRPr lang="hr-HR"/>
           </a:p>
@@ -468,7 +468,7 @@
           <a:p>
             <a:fld id="{8B2B1BF5-A9C0-4B9A-BF59-9DB84BDE63C4}" type="datetimeFigureOut">
               <a:rPr lang="hr-HR" smtClean="0"/>
-              <a:t>8.9.2019.</a:t>
+              <a:t>18.9.2019.</a:t>
             </a:fld>
             <a:endParaRPr lang="hr-HR"/>
           </a:p>
@@ -648,7 +648,7 @@
           <a:p>
             <a:fld id="{8B2B1BF5-A9C0-4B9A-BF59-9DB84BDE63C4}" type="datetimeFigureOut">
               <a:rPr lang="hr-HR" smtClean="0"/>
-              <a:t>8.9.2019.</a:t>
+              <a:t>18.9.2019.</a:t>
             </a:fld>
             <a:endParaRPr lang="hr-HR"/>
           </a:p>
@@ -818,7 +818,7 @@
           <a:p>
             <a:fld id="{8B2B1BF5-A9C0-4B9A-BF59-9DB84BDE63C4}" type="datetimeFigureOut">
               <a:rPr lang="hr-HR" smtClean="0"/>
-              <a:t>8.9.2019.</a:t>
+              <a:t>18.9.2019.</a:t>
             </a:fld>
             <a:endParaRPr lang="hr-HR"/>
           </a:p>
@@ -1064,7 +1064,7 @@
           <a:p>
             <a:fld id="{8B2B1BF5-A9C0-4B9A-BF59-9DB84BDE63C4}" type="datetimeFigureOut">
               <a:rPr lang="hr-HR" smtClean="0"/>
-              <a:t>8.9.2019.</a:t>
+              <a:t>18.9.2019.</a:t>
             </a:fld>
             <a:endParaRPr lang="hr-HR"/>
           </a:p>
@@ -1352,7 +1352,7 @@
           <a:p>
             <a:fld id="{8B2B1BF5-A9C0-4B9A-BF59-9DB84BDE63C4}" type="datetimeFigureOut">
               <a:rPr lang="hr-HR" smtClean="0"/>
-              <a:t>8.9.2019.</a:t>
+              <a:t>18.9.2019.</a:t>
             </a:fld>
             <a:endParaRPr lang="hr-HR"/>
           </a:p>
@@ -1774,7 +1774,7 @@
           <a:p>
             <a:fld id="{8B2B1BF5-A9C0-4B9A-BF59-9DB84BDE63C4}" type="datetimeFigureOut">
               <a:rPr lang="hr-HR" smtClean="0"/>
-              <a:t>8.9.2019.</a:t>
+              <a:t>18.9.2019.</a:t>
             </a:fld>
             <a:endParaRPr lang="hr-HR"/>
           </a:p>
@@ -1892,7 +1892,7 @@
           <a:p>
             <a:fld id="{8B2B1BF5-A9C0-4B9A-BF59-9DB84BDE63C4}" type="datetimeFigureOut">
               <a:rPr lang="hr-HR" smtClean="0"/>
-              <a:t>8.9.2019.</a:t>
+              <a:t>18.9.2019.</a:t>
             </a:fld>
             <a:endParaRPr lang="hr-HR"/>
           </a:p>
@@ -1987,7 +1987,7 @@
           <a:p>
             <a:fld id="{8B2B1BF5-A9C0-4B9A-BF59-9DB84BDE63C4}" type="datetimeFigureOut">
               <a:rPr lang="hr-HR" smtClean="0"/>
-              <a:t>8.9.2019.</a:t>
+              <a:t>18.9.2019.</a:t>
             </a:fld>
             <a:endParaRPr lang="hr-HR"/>
           </a:p>
@@ -2264,7 +2264,7 @@
           <a:p>
             <a:fld id="{8B2B1BF5-A9C0-4B9A-BF59-9DB84BDE63C4}" type="datetimeFigureOut">
               <a:rPr lang="hr-HR" smtClean="0"/>
-              <a:t>8.9.2019.</a:t>
+              <a:t>18.9.2019.</a:t>
             </a:fld>
             <a:endParaRPr lang="hr-HR"/>
           </a:p>
@@ -2517,7 +2517,7 @@
           <a:p>
             <a:fld id="{8B2B1BF5-A9C0-4B9A-BF59-9DB84BDE63C4}" type="datetimeFigureOut">
               <a:rPr lang="hr-HR" smtClean="0"/>
-              <a:t>8.9.2019.</a:t>
+              <a:t>18.9.2019.</a:t>
             </a:fld>
             <a:endParaRPr lang="hr-HR"/>
           </a:p>
@@ -2757,7 +2757,7 @@
           <a:p>
             <a:fld id="{8B2B1BF5-A9C0-4B9A-BF59-9DB84BDE63C4}" type="datetimeFigureOut">
               <a:rPr lang="hr-HR" smtClean="0"/>
-              <a:t>8.9.2019.</a:t>
+              <a:t>18.9.2019.</a:t>
             </a:fld>
             <a:endParaRPr lang="hr-HR"/>
           </a:p>
@@ -3154,7 +3154,6 @@
           </a:bodyPr>
           <a:lstStyle/>
           <a:p>
-            <a:pPr algn="l"/>
             <a:r>
               <a:rPr lang="hr-HR" b="1" i="1" dirty="0"/>
               <a:t>Izrada snimača podataka, obrada i vizualizacija prikupljenih podataka bazirana na principima slobodnog i otvorenog </a:t>
@@ -3179,7 +3178,7 @@
         </p:nvSpPr>
         <p:spPr>
           <a:xfrm>
-            <a:off x="107504" y="4437112"/>
+            <a:off x="107504" y="3861048"/>
             <a:ext cx="8928992" cy="2376264"/>
           </a:xfrm>
         </p:spPr>
@@ -3250,23 +3249,46 @@
             </a:r>
             <a:r>
               <a:rPr lang="en-GB" dirty="0" smtClean="0"/>
-              <a:t>, mag. </a:t>
+              <a:t>, </a:t>
             </a:r>
             <a:r>
               <a:rPr lang="en-GB" dirty="0" err="1" smtClean="0"/>
-              <a:t>računarstva</a:t>
-            </a:r>
-            <a:endParaRPr lang="en-GB" dirty="0" smtClean="0"/>
+              <a:t>mag.</a:t>
+            </a:r>
+            <a:r>
+              <a:rPr lang="en-GB" dirty="0" err="1" smtClean="0"/>
+              <a:t>i</a:t>
+            </a:r>
+            <a:r>
+              <a:rPr lang="en-GB" dirty="0" err="1" smtClean="0"/>
+              <a:t>ng.comp</a:t>
+            </a:r>
+            <a:r>
+              <a:rPr lang="en-GB" dirty="0" smtClean="0"/>
+              <a:t>. </a:t>
+            </a:r>
           </a:p>
           <a:p>
             <a:pPr algn="l"/>
             <a:r>
               <a:rPr lang="en-GB" dirty="0" smtClean="0"/>
-              <a:t>Pula, xx</a:t>
+              <a:t>Pula</a:t>
+            </a:r>
+            <a:r>
+              <a:rPr lang="en-GB" dirty="0" smtClean="0"/>
+              <a:t>, </a:t>
+            </a:r>
+            <a:r>
+              <a:rPr lang="en-GB" dirty="0" smtClean="0"/>
+              <a:t>20</a:t>
             </a:r>
             <a:r>
               <a:rPr lang="hr-HR" dirty="0" smtClean="0"/>
-              <a:t>. rujna 2019.</a:t>
+              <a:t>. </a:t>
+            </a:r>
+            <a:r>
+              <a:rPr lang="hr-HR" dirty="0" smtClean="0"/>
+              <a:t>rujna 2019.</a:t>
             </a:r>
             <a:endParaRPr lang="hr-HR" dirty="0"/>
           </a:p>
@@ -3549,7 +3571,23 @@
             </a:r>
             <a:r>
               <a:rPr lang="hr-HR" dirty="0" smtClean="0"/>
-              <a:t> pristupa otvorenog i slobodnog koda (računanog koda, metode obrade podataka, algoritama i shema hardwareskog sklopa) </a:t>
+              <a:t> pristupa otvorenog i slobodnog koda (</a:t>
+            </a:r>
+            <a:r>
+              <a:rPr lang="hr-HR" dirty="0" smtClean="0"/>
+              <a:t>računa</a:t>
+            </a:r>
+            <a:r>
+              <a:rPr lang="en-GB" dirty="0" smtClean="0"/>
+              <a:t>l</a:t>
+            </a:r>
+            <a:r>
+              <a:rPr lang="hr-HR" dirty="0" smtClean="0"/>
+              <a:t>nog </a:t>
+            </a:r>
+            <a:r>
+              <a:rPr lang="hr-HR" dirty="0" smtClean="0"/>
+              <a:t>koda, metode obrade podataka, algoritama i shema hardwareskog sklopa) </a:t>
             </a:r>
             <a:r>
               <a:rPr lang="en-GB" dirty="0" err="1" smtClean="0"/>
@@ -3557,7 +3595,11 @@
             </a:r>
             <a:r>
               <a:rPr lang="hr-HR" dirty="0" smtClean="0"/>
-              <a:t> izrad</a:t>
+              <a:t> </a:t>
+            </a:r>
+            <a:r>
+              <a:rPr lang="hr-HR" dirty="0" smtClean="0"/>
+              <a:t>izrad</a:t>
             </a:r>
             <a:r>
               <a:rPr lang="en-GB" dirty="0" smtClean="0"/>
@@ -3573,7 +3615,23 @@
             </a:r>
             <a:r>
               <a:rPr lang="hr-HR" dirty="0" smtClean="0"/>
-              <a:t> sustav uz prihvatljive troškove i skromne resurse.</a:t>
+              <a:t> </a:t>
+            </a:r>
+            <a:r>
+              <a:rPr lang="hr-HR" dirty="0" smtClean="0"/>
+              <a:t>sustav</a:t>
+            </a:r>
+            <a:r>
+              <a:rPr lang="en-GB" dirty="0" smtClean="0"/>
+              <a:t>a</a:t>
+            </a:r>
+            <a:r>
+              <a:rPr lang="hr-HR" dirty="0" smtClean="0"/>
+              <a:t> </a:t>
+            </a:r>
+            <a:r>
+              <a:rPr lang="hr-HR" dirty="0" smtClean="0"/>
+              <a:t>uz prihvatljive troškove i skromne resurse.</a:t>
             </a:r>
             <a:endParaRPr lang="en-GB" dirty="0" smtClean="0"/>
           </a:p>
